--- a/Lab2/WeatherStationArchitecture-7D343425.pptx
+++ b/Lab2/WeatherStationArchitecture-7D343425.pptx
@@ -197,7 +197,7 @@
           <a:p>
             <a:fld id="{C99A2DDC-F361-46C0-9E5F-6BF7F6F88E24}" type="datetimeFigureOut">
               <a:rPr lang="it-IT" smtClean="0"/>
-              <a:t>04/11/2019</a:t>
+              <a:t>10/11/2019</a:t>
             </a:fld>
             <a:endParaRPr lang="it-IT"/>
           </a:p>
@@ -1308,7 +1308,7 @@
           <a:p>
             <a:fld id="{63615552-887B-45F6-B150-B606B592F51E}" type="datetimeFigureOut">
               <a:rPr lang="it-IT" smtClean="0"/>
-              <a:t>04/11/2019</a:t>
+              <a:t>10/11/2019</a:t>
             </a:fld>
             <a:endParaRPr lang="it-IT"/>
           </a:p>
@@ -1508,7 +1508,7 @@
           <a:p>
             <a:fld id="{63615552-887B-45F6-B150-B606B592F51E}" type="datetimeFigureOut">
               <a:rPr lang="it-IT" smtClean="0"/>
-              <a:t>04/11/2019</a:t>
+              <a:t>10/11/2019</a:t>
             </a:fld>
             <a:endParaRPr lang="it-IT"/>
           </a:p>
@@ -1718,7 +1718,7 @@
           <a:p>
             <a:fld id="{63615552-887B-45F6-B150-B606B592F51E}" type="datetimeFigureOut">
               <a:rPr lang="it-IT" smtClean="0"/>
-              <a:t>04/11/2019</a:t>
+              <a:t>10/11/2019</a:t>
             </a:fld>
             <a:endParaRPr lang="it-IT"/>
           </a:p>
@@ -1918,7 +1918,7 @@
           <a:p>
             <a:fld id="{63615552-887B-45F6-B150-B606B592F51E}" type="datetimeFigureOut">
               <a:rPr lang="it-IT" smtClean="0"/>
-              <a:t>04/11/2019</a:t>
+              <a:t>10/11/2019</a:t>
             </a:fld>
             <a:endParaRPr lang="it-IT"/>
           </a:p>
@@ -2194,7 +2194,7 @@
           <a:p>
             <a:fld id="{63615552-887B-45F6-B150-B606B592F51E}" type="datetimeFigureOut">
               <a:rPr lang="it-IT" smtClean="0"/>
-              <a:t>04/11/2019</a:t>
+              <a:t>10/11/2019</a:t>
             </a:fld>
             <a:endParaRPr lang="it-IT"/>
           </a:p>
@@ -2462,7 +2462,7 @@
           <a:p>
             <a:fld id="{63615552-887B-45F6-B150-B606B592F51E}" type="datetimeFigureOut">
               <a:rPr lang="it-IT" smtClean="0"/>
-              <a:t>04/11/2019</a:t>
+              <a:t>10/11/2019</a:t>
             </a:fld>
             <a:endParaRPr lang="it-IT"/>
           </a:p>
@@ -2877,7 +2877,7 @@
           <a:p>
             <a:fld id="{63615552-887B-45F6-B150-B606B592F51E}" type="datetimeFigureOut">
               <a:rPr lang="it-IT" smtClean="0"/>
-              <a:t>04/11/2019</a:t>
+              <a:t>10/11/2019</a:t>
             </a:fld>
             <a:endParaRPr lang="it-IT"/>
           </a:p>
@@ -3019,7 +3019,7 @@
           <a:p>
             <a:fld id="{63615552-887B-45F6-B150-B606B592F51E}" type="datetimeFigureOut">
               <a:rPr lang="it-IT" smtClean="0"/>
-              <a:t>04/11/2019</a:t>
+              <a:t>10/11/2019</a:t>
             </a:fld>
             <a:endParaRPr lang="it-IT"/>
           </a:p>
@@ -3132,7 +3132,7 @@
           <a:p>
             <a:fld id="{63615552-887B-45F6-B150-B606B592F51E}" type="datetimeFigureOut">
               <a:rPr lang="it-IT" smtClean="0"/>
-              <a:t>04/11/2019</a:t>
+              <a:t>10/11/2019</a:t>
             </a:fld>
             <a:endParaRPr lang="it-IT"/>
           </a:p>
@@ -3445,7 +3445,7 @@
           <a:p>
             <a:fld id="{63615552-887B-45F6-B150-B606B592F51E}" type="datetimeFigureOut">
               <a:rPr lang="it-IT" smtClean="0"/>
-              <a:t>04/11/2019</a:t>
+              <a:t>10/11/2019</a:t>
             </a:fld>
             <a:endParaRPr lang="it-IT"/>
           </a:p>
@@ -3734,7 +3734,7 @@
           <a:p>
             <a:fld id="{63615552-887B-45F6-B150-B606B592F51E}" type="datetimeFigureOut">
               <a:rPr lang="it-IT" smtClean="0"/>
-              <a:t>04/11/2019</a:t>
+              <a:t>10/11/2019</a:t>
             </a:fld>
             <a:endParaRPr lang="it-IT"/>
           </a:p>
@@ -3977,7 +3977,7 @@
           <a:p>
             <a:fld id="{63615552-887B-45F6-B150-B606B592F51E}" type="datetimeFigureOut">
               <a:rPr lang="it-IT" smtClean="0"/>
-              <a:t>04/11/2019</a:t>
+              <a:t>10/11/2019</a:t>
             </a:fld>
             <a:endParaRPr lang="it-IT"/>
           </a:p>
@@ -6895,6 +6895,54 @@
           </a:p>
         </p:txBody>
       </p:sp>
+      <p:pic>
+        <p:nvPicPr>
+          <p:cNvPr id="16" name="Picture 15">
+            <a:extLst>
+              <a:ext uri="{FF2B5EF4-FFF2-40B4-BE49-F238E27FC236}">
+                <a16:creationId xmlns:a16="http://schemas.microsoft.com/office/drawing/2014/main" id="{9BA5841E-0F01-4DF7-B334-E12F927BCE67}"/>
+              </a:ext>
+            </a:extLst>
+          </p:cNvPr>
+          <p:cNvPicPr>
+            <a:picLocks noChangeAspect="1"/>
+          </p:cNvPicPr>
+          <p:nvPr/>
+        </p:nvPicPr>
+        <p:blipFill>
+          <a:blip r:embed="rId22">
+            <a:clrChange>
+              <a:clrFrom>
+                <a:srgbClr val="F8F8F8"/>
+              </a:clrFrom>
+              <a:clrTo>
+                <a:srgbClr val="F8F8F8">
+                  <a:alpha val="0"/>
+                </a:srgbClr>
+              </a:clrTo>
+            </a:clrChange>
+            <a:duotone>
+              <a:schemeClr val="accent5">
+                <a:shade val="45000"/>
+                <a:satMod val="135000"/>
+              </a:schemeClr>
+              <a:prstClr val="white"/>
+            </a:duotone>
+          </a:blip>
+          <a:stretch>
+            <a:fillRect/>
+          </a:stretch>
+        </p:blipFill>
+        <p:spPr>
+          <a:xfrm>
+            <a:off x="3386753" y="4508327"/>
+            <a:ext cx="343883" cy="369442"/>
+          </a:xfrm>
+          <a:prstGeom prst="rect">
+            <a:avLst/>
+          </a:prstGeom>
+        </p:spPr>
+      </p:pic>
     </p:spTree>
     <p:extLst>
       <p:ext uri="{BB962C8B-B14F-4D97-AF65-F5344CB8AC3E}">

--- a/Lab2/WeatherStationArchitecture-7D343425.pptx
+++ b/Lab2/WeatherStationArchitecture-7D343425.pptx
@@ -537,7 +537,7 @@
               <a:rPr lang="it-IT" dirty="0">
                 <a:latin typeface="Century Gothic" panose="020B0502020202020204" pitchFamily="34" charset="0"/>
               </a:rPr>
-              <a:t>Requirements</a:t>
+              <a:t>Functional requirements, constraints and quality attributes</a:t>
             </a:r>
           </a:p>
           <a:p>
@@ -549,7 +549,7 @@
               <a:rPr lang="it-IT" dirty="0">
                 <a:latin typeface="Century Gothic" panose="020B0502020202020204" pitchFamily="34" charset="0"/>
               </a:rPr>
-              <a:t>The wather station will leverage a number of sensors to provide the telemetry information and will connect directly (and securely) to our WiFi network that provides access to the Internet.</a:t>
+              <a:t>Each turbine in the Wind Farm will leverage a number of sensors to provide the telemetry information relating to turbine performance and will connect directly (and securely) a a network that provides access to the internet.</a:t>
             </a:r>
           </a:p>
           <a:p>
@@ -561,7 +561,7 @@
               <a:rPr lang="it-IT" dirty="0">
                 <a:latin typeface="Century Gothic" panose="020B0502020202020204" pitchFamily="34" charset="0"/>
               </a:rPr>
-              <a:t>The weather station will provide the following telemetry data:</a:t>
+              <a:t>The Wind Turbine will provide the following telemetry data:</a:t>
             </a:r>
           </a:p>
           <a:p>
@@ -573,7 +573,7 @@
               <a:rPr lang="it-IT" dirty="0">
                 <a:latin typeface="Century Gothic" panose="020B0502020202020204" pitchFamily="34" charset="0"/>
               </a:rPr>
-              <a:t>Temperature in Celsius (C)</a:t>
+              <a:t>External Temperature in Celsius (C)</a:t>
             </a:r>
           </a:p>
           <a:p>
@@ -585,7 +585,7 @@
               <a:rPr lang="it-IT" dirty="0">
                 <a:latin typeface="Century Gothic" panose="020B0502020202020204" pitchFamily="34" charset="0"/>
               </a:rPr>
-              <a:t>Humidity in relative Humidity (rH)</a:t>
+              <a:t>Generator Temperature in Celsius ©</a:t>
             </a:r>
           </a:p>
           <a:p>
@@ -597,7 +597,7 @@
               <a:rPr lang="it-IT" dirty="0">
                 <a:latin typeface="Century Gothic" panose="020B0502020202020204" pitchFamily="34" charset="0"/>
               </a:rPr>
-              <a:t>Pressure in hectopascal (hPa)</a:t>
+              <a:t>Power in kiloWatts (KW)</a:t>
             </a:r>
           </a:p>
           <a:p>
@@ -609,7 +609,7 @@
               <a:rPr lang="it-IT" dirty="0">
                 <a:latin typeface="Century Gothic" panose="020B0502020202020204" pitchFamily="34" charset="0"/>
               </a:rPr>
-              <a:t>Wind Speed in meters per second (m/s)</a:t>
+              <a:t>Pressure in hectopascal (hPa)</a:t>
             </a:r>
           </a:p>
           <a:p>
@@ -621,7 +621,19 @@
               <a:rPr lang="it-IT" dirty="0">
                 <a:latin typeface="Century Gothic" panose="020B0502020202020204" pitchFamily="34" charset="0"/>
               </a:rPr>
-              <a:t>Wind Direction in degrees</a:t>
+              <a:t>Wind Speed in meters per second (m/s)</a:t>
+            </a:r>
+          </a:p>
+          <a:p>
+            <a:pPr marL="1543050" lvl="3" indent="-171450">
+              <a:buFont typeface="Arial" panose="020B0604020202020204" pitchFamily="34" charset="0"/>
+              <a:buChar char="•"/>
+            </a:pPr>
+            <a:r>
+              <a:rPr lang="it-IT" dirty="0">
+                <a:latin typeface="Century Gothic" panose="020B0502020202020204" pitchFamily="34" charset="0"/>
+              </a:rPr>
+              <a:t>Shaft speeds in Revolutions per Minute (RPM)</a:t>
             </a:r>
           </a:p>
           <a:p>
@@ -633,187 +645,7 @@
               <a:rPr lang="it-IT" dirty="0">
                 <a:latin typeface="Century Gothic" panose="020B0502020202020204" pitchFamily="34" charset="0"/>
               </a:rPr>
-              <a:t>Telemetry will be sent in JSON format; the field that identify the sensor telemetry data use the number data type, and the remaining fields (metadata) contain string data.</a:t>
-            </a:r>
-          </a:p>
-          <a:p>
-            <a:pPr marL="1085850" lvl="2" indent="-171450">
-              <a:buFont typeface="Arial" panose="020B0604020202020204" pitchFamily="34" charset="0"/>
-              <a:buChar char="•"/>
-            </a:pPr>
-            <a:r>
-              <a:rPr lang="it-IT" dirty="0">
-                <a:latin typeface="Century Gothic" panose="020B0502020202020204" pitchFamily="34" charset="0"/>
-              </a:rPr>
-              <a:t>The solution must support adjusting the frequency in response to conditions detected in the cloud.</a:t>
-            </a:r>
-          </a:p>
-          <a:p>
-            <a:pPr marL="1085850" lvl="2" indent="-171450">
-              <a:buFont typeface="Arial" panose="020B0604020202020204" pitchFamily="34" charset="0"/>
-              <a:buChar char="•"/>
-            </a:pPr>
-            <a:r>
-              <a:rPr lang="it-IT" dirty="0">
-                <a:latin typeface="Century Gothic" panose="020B0502020202020204" pitchFamily="34" charset="0"/>
-              </a:rPr>
-              <a:t>Weather Station will be simulated using an MXChip Devkit AZ3166 Devkit </a:t>
-            </a:r>
-          </a:p>
-          <a:p>
-            <a:pPr marL="1085850" lvl="2" indent="-171450">
-              <a:buFont typeface="Arial" panose="020B0604020202020204" pitchFamily="34" charset="0"/>
-              <a:buChar char="•"/>
-            </a:pPr>
-            <a:r>
-              <a:rPr lang="it-IT" dirty="0">
-                <a:latin typeface="Century Gothic" panose="020B0502020202020204" pitchFamily="34" charset="0"/>
-              </a:rPr>
-              <a:t>The weather station application will be written in C/C++</a:t>
-            </a:r>
-          </a:p>
-          <a:p>
-            <a:pPr marL="1085850" lvl="2" indent="-171450">
-              <a:buFont typeface="Arial" panose="020B0604020202020204" pitchFamily="34" charset="0"/>
-              <a:buChar char="•"/>
-            </a:pPr>
-            <a:r>
-              <a:rPr lang="it-IT" dirty="0">
-                <a:latin typeface="Century Gothic" panose="020B0502020202020204" pitchFamily="34" charset="0"/>
-              </a:rPr>
-              <a:t>The MXChip devkit will use on-board LEDs as follow</a:t>
-            </a:r>
-          </a:p>
-          <a:p>
-            <a:pPr marL="1543050" lvl="3" indent="-171450">
-              <a:buFont typeface="Arial" panose="020B0604020202020204" pitchFamily="34" charset="0"/>
-              <a:buChar char="•"/>
-            </a:pPr>
-            <a:r>
-              <a:rPr lang="it-IT" dirty="0">
-                <a:latin typeface="Century Gothic" panose="020B0502020202020204" pitchFamily="34" charset="0"/>
-              </a:rPr>
-              <a:t>The WiFi LED will illuminate upon connection to the local WiFi</a:t>
-            </a:r>
-          </a:p>
-          <a:p>
-            <a:pPr marL="1543050" lvl="3" indent="-171450">
-              <a:buFont typeface="Arial" panose="020B0604020202020204" pitchFamily="34" charset="0"/>
-              <a:buChar char="•"/>
-            </a:pPr>
-            <a:r>
-              <a:rPr lang="it-IT" dirty="0">
-                <a:latin typeface="Century Gothic" panose="020B0502020202020204" pitchFamily="34" charset="0"/>
-              </a:rPr>
-              <a:t>The Azure LED will illuminate on connection to the cloud</a:t>
-            </a:r>
-          </a:p>
-          <a:p>
-            <a:pPr marL="1543050" lvl="3" indent="-171450">
-              <a:buFont typeface="Arial" panose="020B0604020202020204" pitchFamily="34" charset="0"/>
-              <a:buChar char="•"/>
-            </a:pPr>
-            <a:r>
-              <a:rPr lang="it-IT" dirty="0">
-                <a:latin typeface="Century Gothic" panose="020B0502020202020204" pitchFamily="34" charset="0"/>
-              </a:rPr>
-              <a:t>The User LED will flash whenever data is sent to the cloud</a:t>
-            </a:r>
-          </a:p>
-          <a:p>
-            <a:pPr marL="1543050" lvl="3" indent="-171450">
-              <a:buFont typeface="Arial" panose="020B0604020202020204" pitchFamily="34" charset="0"/>
-              <a:buChar char="•"/>
-            </a:pPr>
-            <a:r>
-              <a:rPr lang="it-IT" dirty="0">
-                <a:latin typeface="Century Gothic" panose="020B0502020202020204" pitchFamily="34" charset="0"/>
-              </a:rPr>
-              <a:t>The RGB LED color will change in response to messages from the cloud changing the Wind Speed Status:</a:t>
-            </a:r>
-          </a:p>
-          <a:p>
-            <a:pPr marL="2000250" lvl="4" indent="-171450">
-              <a:buFont typeface="Arial" panose="020B0604020202020204" pitchFamily="34" charset="0"/>
-              <a:buChar char="•"/>
-            </a:pPr>
-            <a:r>
-              <a:rPr lang="it-IT" dirty="0">
-                <a:latin typeface="Century Gothic" panose="020B0502020202020204" pitchFamily="34" charset="0"/>
-              </a:rPr>
-              <a:t>Green – Wind Speed is within Normal Conditions</a:t>
-            </a:r>
-          </a:p>
-          <a:p>
-            <a:pPr marL="2000250" lvl="4" indent="-171450">
-              <a:buFont typeface="Arial" panose="020B0604020202020204" pitchFamily="34" charset="0"/>
-              <a:buChar char="•"/>
-            </a:pPr>
-            <a:r>
-              <a:rPr lang="it-IT" dirty="0">
-                <a:latin typeface="Century Gothic" panose="020B0502020202020204" pitchFamily="34" charset="0"/>
-              </a:rPr>
-              <a:t>Orange – Wind Speed is within Strong Conditions</a:t>
-            </a:r>
-          </a:p>
-          <a:p>
-            <a:pPr marL="2000250" lvl="4" indent="-171450">
-              <a:buFont typeface="Arial" panose="020B0604020202020204" pitchFamily="34" charset="0"/>
-              <a:buChar char="•"/>
-            </a:pPr>
-            <a:r>
-              <a:rPr lang="it-IT" dirty="0">
-                <a:latin typeface="Century Gothic" panose="020B0502020202020204" pitchFamily="34" charset="0"/>
-              </a:rPr>
-              <a:t>Red – Wind Speed is within Dangerous Conditions</a:t>
-            </a:r>
-          </a:p>
-          <a:p>
-            <a:pPr marL="1085850" lvl="2" indent="-171450">
-              <a:buFont typeface="Arial" panose="020B0604020202020204" pitchFamily="34" charset="0"/>
-              <a:buChar char="•"/>
-            </a:pPr>
-            <a:r>
-              <a:rPr lang="it-IT" dirty="0">
-                <a:latin typeface="Century Gothic" panose="020B0502020202020204" pitchFamily="34" charset="0"/>
-              </a:rPr>
-              <a:t>The MXChip OLED display will show the following information:</a:t>
-            </a:r>
-          </a:p>
-          <a:p>
-            <a:pPr marL="1543050" lvl="3" indent="-171450">
-              <a:buFont typeface="Arial" panose="020B0604020202020204" pitchFamily="34" charset="0"/>
-              <a:buChar char="•"/>
-            </a:pPr>
-            <a:r>
-              <a:rPr lang="it-IT" dirty="0">
-                <a:latin typeface="Century Gothic" panose="020B0502020202020204" pitchFamily="34" charset="0"/>
-              </a:rPr>
-              <a:t>Wind Direction in degrees</a:t>
-            </a:r>
-          </a:p>
-          <a:p>
-            <a:pPr marL="1543050" lvl="3" indent="-171450">
-              <a:buFont typeface="Arial" panose="020B0604020202020204" pitchFamily="34" charset="0"/>
-              <a:buChar char="•"/>
-            </a:pPr>
-            <a:r>
-              <a:rPr lang="it-IT" dirty="0">
-                <a:latin typeface="Century Gothic" panose="020B0502020202020204" pitchFamily="34" charset="0"/>
-              </a:rPr>
-              <a:t>Wind Direction as text: NORTH, NORTH-EAST, EAST, etc.</a:t>
-            </a:r>
-          </a:p>
-          <a:p>
-            <a:pPr marL="1543050" lvl="3" indent="-171450">
-              <a:buFont typeface="Arial" panose="020B0604020202020204" pitchFamily="34" charset="0"/>
-              <a:buChar char="•"/>
-            </a:pPr>
-            <a:r>
-              <a:rPr lang="it-IT" dirty="0">
-                <a:latin typeface="Century Gothic" panose="020B0502020202020204" pitchFamily="34" charset="0"/>
-              </a:rPr>
-              <a:t>Wind Speed in m/s</a:t>
+              <a:t>Telemetry will be sent in JSON format; the fields that identify the sensor telemetry data use the number data type, a boolean flag that indicates if the turbine brake is on, and the remaining fields contain string data.</a:t>
             </a:r>
           </a:p>
           <a:p>
@@ -837,43 +669,7 @@
               <a:rPr lang="it-IT" dirty="0">
                 <a:latin typeface="Century Gothic" panose="020B0502020202020204" pitchFamily="34" charset="0"/>
               </a:rPr>
-              <a:t>Requirements</a:t>
-            </a:r>
-          </a:p>
-          <a:p>
-            <a:pPr marL="1085850" lvl="2" indent="-171450">
-              <a:buFont typeface="Arial" panose="020B0604020202020204" pitchFamily="34" charset="0"/>
-              <a:buChar char="•"/>
-            </a:pPr>
-            <a:r>
-              <a:rPr lang="it-IT" dirty="0">
-                <a:latin typeface="Century Gothic" panose="020B0502020202020204" pitchFamily="34" charset="0"/>
-              </a:rPr>
-              <a:t>The cloud will communicate with the Weather Station via changes made to the Device Twin. The device twin will have the following desired properties:</a:t>
-            </a:r>
-          </a:p>
-          <a:p>
-            <a:pPr marL="1543050" lvl="3" indent="-171450">
-              <a:buFont typeface="Arial" panose="020B0604020202020204" pitchFamily="34" charset="0"/>
-              <a:buChar char="•"/>
-            </a:pPr>
-            <a:r>
-              <a:rPr lang="it-IT" dirty="0">
-                <a:latin typeface="Century Gothic" panose="020B0502020202020204" pitchFamily="34" charset="0"/>
-              </a:rPr>
-              <a:t>windSpeedStatus – string value: Normal | Strong | Dangerous</a:t>
-            </a:r>
-          </a:p>
-          <a:p>
-            <a:pPr marL="1543050" lvl="3" indent="-171450">
-              <a:buFont typeface="Arial" panose="020B0604020202020204" pitchFamily="34" charset="0"/>
-              <a:buChar char="•"/>
-            </a:pPr>
-            <a:r>
-              <a:rPr lang="it-IT" dirty="0">
-                <a:latin typeface="Century Gothic" panose="020B0502020202020204" pitchFamily="34" charset="0"/>
-              </a:rPr>
-              <a:t>updateFrequencySeconds – number value that controls how often the device sends telemetry to the cloud.</a:t>
+              <a:t>IoT Hub will be used to securely connect simulated turbines and to collect telemetry data from them and to provide these data to downstream services</a:t>
             </a:r>
           </a:p>
           <a:p>
@@ -886,180 +682,6 @@
                 <a:latin typeface="Century Gothic" panose="020B0502020202020204" pitchFamily="34" charset="0"/>
               </a:rPr>
               <a:t>Stream Processors</a:t>
-            </a:r>
-          </a:p>
-          <a:p>
-            <a:pPr marL="628650" lvl="1" indent="-171450">
-              <a:buFont typeface="Arial" panose="020B0604020202020204" pitchFamily="34" charset="0"/>
-              <a:buChar char="•"/>
-            </a:pPr>
-            <a:r>
-              <a:rPr lang="it-IT" dirty="0">
-                <a:latin typeface="Century Gothic" panose="020B0502020202020204" pitchFamily="34" charset="0"/>
-              </a:rPr>
-              <a:t>Requirements</a:t>
-            </a:r>
-          </a:p>
-          <a:p>
-            <a:pPr marL="1085850" lvl="2" indent="-171450">
-              <a:buFont typeface="Arial" panose="020B0604020202020204" pitchFamily="34" charset="0"/>
-              <a:buChar char="•"/>
-            </a:pPr>
-            <a:r>
-              <a:rPr lang="it-IT" dirty="0">
-                <a:latin typeface="Century Gothic" panose="020B0502020202020204" pitchFamily="34" charset="0"/>
-              </a:rPr>
-              <a:t>The device telemetry will be stored in the cloud for long-term use</a:t>
-            </a:r>
-          </a:p>
-          <a:p>
-            <a:pPr marL="1085850" lvl="2" indent="-171450">
-              <a:buFont typeface="Arial" panose="020B0604020202020204" pitchFamily="34" charset="0"/>
-              <a:buChar char="•"/>
-            </a:pPr>
-            <a:r>
-              <a:rPr lang="it-IT" dirty="0">
-                <a:latin typeface="Century Gothic" panose="020B0502020202020204" pitchFamily="34" charset="0"/>
-              </a:rPr>
-              <a:t>Azure Streaming Analytics will be used to process incoming data and direct it to the appropriate output.</a:t>
-            </a:r>
-          </a:p>
-          <a:p>
-            <a:pPr marL="171450" indent="-171450">
-              <a:buFont typeface="Arial" panose="020B0604020202020204" pitchFamily="34" charset="0"/>
-              <a:buChar char="•"/>
-            </a:pPr>
-            <a:r>
-              <a:rPr lang="it-IT" dirty="0">
-                <a:latin typeface="Century Gothic" panose="020B0502020202020204" pitchFamily="34" charset="0"/>
-              </a:rPr>
-              <a:t>Business Integration Processes</a:t>
-            </a:r>
-          </a:p>
-          <a:p>
-            <a:pPr marL="628650" lvl="1" indent="-171450">
-              <a:buFont typeface="Arial" panose="020B0604020202020204" pitchFamily="34" charset="0"/>
-              <a:buChar char="•"/>
-            </a:pPr>
-            <a:r>
-              <a:rPr lang="it-IT" dirty="0">
-                <a:latin typeface="Century Gothic" panose="020B0502020202020204" pitchFamily="34" charset="0"/>
-              </a:rPr>
-              <a:t>Requirements</a:t>
-            </a:r>
-          </a:p>
-          <a:p>
-            <a:pPr marL="1085850" lvl="2" indent="-171450">
-              <a:buFont typeface="Arial" panose="020B0604020202020204" pitchFamily="34" charset="0"/>
-              <a:buChar char="•"/>
-            </a:pPr>
-            <a:r>
-              <a:rPr lang="it-IT" dirty="0">
-                <a:latin typeface="Century Gothic" panose="020B0502020202020204" pitchFamily="34" charset="0"/>
-              </a:rPr>
-              <a:t>The cloud will communicate with the Weather Station via changes made to the Device Twin</a:t>
-            </a:r>
-          </a:p>
-          <a:p>
-            <a:pPr marL="1085850" lvl="2" indent="-171450">
-              <a:buFont typeface="Arial" panose="020B0604020202020204" pitchFamily="34" charset="0"/>
-              <a:buChar char="•"/>
-            </a:pPr>
-            <a:r>
-              <a:rPr lang="it-IT" dirty="0">
-                <a:latin typeface="Century Gothic" panose="020B0502020202020204" pitchFamily="34" charset="0"/>
-              </a:rPr>
-              <a:t>An Azure Function connected to Azure Streaming Analytics will be used to update the device twin in accordance with the requirements</a:t>
-            </a:r>
-          </a:p>
-          <a:p>
-            <a:pPr marL="1085850" lvl="2" indent="-171450">
-              <a:buFont typeface="Arial" panose="020B0604020202020204" pitchFamily="34" charset="0"/>
-              <a:buChar char="•"/>
-            </a:pPr>
-            <a:r>
-              <a:rPr lang="it-IT" dirty="0">
-                <a:latin typeface="Century Gothic" panose="020B0502020202020204" pitchFamily="34" charset="0"/>
-              </a:rPr>
-              <a:t>Any server side cole will be written using C# and .NET</a:t>
-            </a:r>
-          </a:p>
-          <a:p>
-            <a:pPr marL="171450" indent="-171450">
-              <a:buFont typeface="Arial" panose="020B0604020202020204" pitchFamily="34" charset="0"/>
-              <a:buChar char="•"/>
-            </a:pPr>
-            <a:r>
-              <a:rPr lang="it-IT" dirty="0">
-                <a:latin typeface="Century Gothic" panose="020B0502020202020204" pitchFamily="34" charset="0"/>
-              </a:rPr>
-              <a:t>Storage</a:t>
-            </a:r>
-          </a:p>
-          <a:p>
-            <a:pPr marL="628650" lvl="1" indent="-171450">
-              <a:buFont typeface="Arial" panose="020B0604020202020204" pitchFamily="34" charset="0"/>
-              <a:buChar char="•"/>
-            </a:pPr>
-            <a:r>
-              <a:rPr lang="it-IT" dirty="0">
-                <a:latin typeface="Century Gothic" panose="020B0502020202020204" pitchFamily="34" charset="0"/>
-              </a:rPr>
-              <a:t>Azure Data Lake Storage Gen 1 will be used as cold storage repository; Azure Streaming Analytics will send the data to the storage, and data will then be processed in Azure Data Lake Analytics</a:t>
-            </a:r>
-          </a:p>
-          <a:p>
-            <a:pPr marL="171450" indent="-171450">
-              <a:buFont typeface="Arial" panose="020B0604020202020204" pitchFamily="34" charset="0"/>
-              <a:buChar char="•"/>
-            </a:pPr>
-            <a:r>
-              <a:rPr lang="it-IT" dirty="0">
-                <a:latin typeface="Century Gothic" panose="020B0502020202020204" pitchFamily="34" charset="0"/>
-              </a:rPr>
-              <a:t>User Interface</a:t>
-            </a:r>
-          </a:p>
-          <a:p>
-            <a:pPr marL="171450" indent="-171450">
-              <a:buFont typeface="Arial" panose="020B0604020202020204" pitchFamily="34" charset="0"/>
-              <a:buChar char="•"/>
-            </a:pPr>
-            <a:endParaRPr lang="it-IT" dirty="0">
-              <a:latin typeface="Century Gothic" panose="020B0502020202020204" pitchFamily="34" charset="0"/>
-            </a:endParaRPr>
-          </a:p>
-          <a:p>
-            <a:pPr marL="171450" indent="-171450">
-              <a:buFont typeface="Arial" panose="020B0604020202020204" pitchFamily="34" charset="0"/>
-              <a:buChar char="•"/>
-            </a:pPr>
-            <a:endParaRPr lang="it-IT" dirty="0">
-              <a:latin typeface="Century Gothic" panose="020B0502020202020204" pitchFamily="34" charset="0"/>
-            </a:endParaRPr>
-          </a:p>
-          <a:p>
-            <a:pPr marL="0" indent="0">
-              <a:buFont typeface="Arial" panose="020B0604020202020204" pitchFamily="34" charset="0"/>
-              <a:buNone/>
-            </a:pPr>
-            <a:r>
-              <a:rPr lang="it-IT" sz="1400" b="1" dirty="0">
-                <a:latin typeface="Century Gothic" panose="020B0502020202020204" pitchFamily="34" charset="0"/>
-              </a:rPr>
-              <a:t>Optional Subsystems</a:t>
-            </a:r>
-          </a:p>
-          <a:p>
-            <a:pPr marL="171450" indent="-171450">
-              <a:buFont typeface="Arial" panose="020B0604020202020204" pitchFamily="34" charset="0"/>
-              <a:buChar char="•"/>
-            </a:pPr>
-            <a:r>
-              <a:rPr lang="it-IT" sz="1200" b="0" dirty="0">
-                <a:latin typeface="Century Gothic" panose="020B0502020202020204" pitchFamily="34" charset="0"/>
-              </a:rPr>
-              <a:t>Machine Learning</a:t>
             </a:r>
           </a:p>
           <a:p>
@@ -1084,7 +706,79 @@
               <a:rPr lang="it-IT" dirty="0">
                 <a:latin typeface="Century Gothic" panose="020B0502020202020204" pitchFamily="34" charset="0"/>
               </a:rPr>
-              <a:t>The device telemetry will be stored in the cloud for long-term use</a:t>
+              <a:t>Functional requirements, constraints and quality attributes</a:t>
+            </a:r>
+          </a:p>
+          <a:p>
+            <a:pPr marL="1085850" lvl="2" indent="-171450">
+              <a:buFont typeface="Arial" panose="020B0604020202020204" pitchFamily="34" charset="0"/>
+              <a:buChar char="•"/>
+            </a:pPr>
+            <a:r>
+              <a:rPr lang="it-IT" dirty="0">
+                <a:latin typeface="Century Gothic" panose="020B0502020202020204" pitchFamily="34" charset="0"/>
+              </a:rPr>
+              <a:t>Azure Streaming Analytics will be used to process incoming data and direct it to the appropriate output. In the case of this proof of value, one of the destinations will be a warm path storage appropriate for high-speed access for Business Intelligence.</a:t>
+            </a:r>
+          </a:p>
+          <a:p>
+            <a:pPr marL="171450" indent="-171450">
+              <a:buFont typeface="Arial" panose="020B0604020202020204" pitchFamily="34" charset="0"/>
+              <a:buChar char="•"/>
+            </a:pPr>
+            <a:r>
+              <a:rPr lang="it-IT" dirty="0">
+                <a:latin typeface="Century Gothic" panose="020B0502020202020204" pitchFamily="34" charset="0"/>
+              </a:rPr>
+              <a:t>Storage</a:t>
+            </a:r>
+          </a:p>
+          <a:p>
+            <a:pPr marL="628650" lvl="1" indent="-171450">
+              <a:buFont typeface="Arial" panose="020B0604020202020204" pitchFamily="34" charset="0"/>
+              <a:buChar char="•"/>
+            </a:pPr>
+            <a:r>
+              <a:rPr lang="it-IT" dirty="0">
+                <a:latin typeface="Century Gothic" panose="020B0502020202020204" pitchFamily="34" charset="0"/>
+              </a:rPr>
+              <a:t>Functional requirements, constraints and quality attributes</a:t>
+            </a:r>
+          </a:p>
+          <a:p>
+            <a:pPr marL="1085850" lvl="2" indent="-171450">
+              <a:buFont typeface="Arial" panose="020B0604020202020204" pitchFamily="34" charset="0"/>
+              <a:buChar char="•"/>
+            </a:pPr>
+            <a:r>
+              <a:rPr lang="it-IT" dirty="0">
+                <a:latin typeface="Century Gothic" panose="020B0502020202020204" pitchFamily="34" charset="0"/>
+              </a:rPr>
+              <a:t>Route telemetry to storage appropriate for high-speed access for Business Intelligence</a:t>
+            </a:r>
+          </a:p>
+          <a:p>
+            <a:pPr marL="628650" lvl="1" indent="-171450">
+              <a:buFont typeface="Arial" panose="020B0604020202020204" pitchFamily="34" charset="0"/>
+              <a:buChar char="•"/>
+            </a:pPr>
+            <a:r>
+              <a:rPr lang="it-IT" dirty="0">
+                <a:latin typeface="Century Gothic" panose="020B0502020202020204" pitchFamily="34" charset="0"/>
+              </a:rPr>
+              <a:t>Cosmos DB is a perfect choice for use as our Warm Storage solution. It allows to scale throughput and storage across any number of geographical regions. Furthermore, it offers comprehensive service level agreemenrs encompassing throughput, latency availability, and consistency. It is perfect for serverless applications that needs low order-of-millisecond response times, and needs to scale rapidly and globally.</a:t>
+            </a:r>
+          </a:p>
+          <a:p>
+            <a:pPr marL="171450" indent="-171450">
+              <a:buFont typeface="Arial" panose="020B0604020202020204" pitchFamily="34" charset="0"/>
+              <a:buChar char="•"/>
+            </a:pPr>
+            <a:r>
+              <a:rPr lang="it-IT" dirty="0">
+                <a:latin typeface="Century Gothic" panose="020B0502020202020204" pitchFamily="34" charset="0"/>
+              </a:rPr>
+              <a:t>User Interface</a:t>
             </a:r>
           </a:p>
           <a:p>
@@ -1109,7 +803,175 @@
               <a:rPr lang="it-IT" dirty="0">
                 <a:latin typeface="Century Gothic" panose="020B0502020202020204" pitchFamily="34" charset="0"/>
               </a:rPr>
-              <a:t>Data Lake Analytics will be used to compute some statistics from telemetry data.</a:t>
+              <a:t>Functional requirements, constraints and quality attributes</a:t>
+            </a:r>
+          </a:p>
+          <a:p>
+            <a:pPr marL="1085850" lvl="2" indent="-171450">
+              <a:buFont typeface="Arial" panose="020B0604020202020204" pitchFamily="34" charset="0"/>
+              <a:buChar char="•"/>
+            </a:pPr>
+            <a:r>
+              <a:rPr lang="it-IT" dirty="0">
+                <a:latin typeface="Century Gothic" panose="020B0502020202020204" pitchFamily="34" charset="0"/>
+              </a:rPr>
+              <a:t>Time Series Insights is used to view the following wind turbine telemetry data:</a:t>
+            </a:r>
+          </a:p>
+          <a:p>
+            <a:pPr marL="1543050" lvl="3" indent="-171450">
+              <a:buFont typeface="Arial" panose="020B0604020202020204" pitchFamily="34" charset="0"/>
+              <a:buChar char="•"/>
+            </a:pPr>
+            <a:r>
+              <a:rPr lang="it-IT" dirty="0">
+                <a:latin typeface="Century Gothic" panose="020B0502020202020204" pitchFamily="34" charset="0"/>
+              </a:rPr>
+              <a:t>Telemetry.Power</a:t>
+            </a:r>
+          </a:p>
+          <a:p>
+            <a:pPr marL="1543050" lvl="3" indent="-171450">
+              <a:buFont typeface="Arial" panose="020B0604020202020204" pitchFamily="34" charset="0"/>
+              <a:buChar char="•"/>
+            </a:pPr>
+            <a:r>
+              <a:rPr lang="it-IT" dirty="0">
+                <a:latin typeface="Century Gothic" panose="020B0502020202020204" pitchFamily="34" charset="0"/>
+              </a:rPr>
+              <a:t>Telemetry.WIndSpeed</a:t>
+            </a:r>
+          </a:p>
+          <a:p>
+            <a:pPr marL="1543050" lvl="3" indent="-171450">
+              <a:buFont typeface="Arial" panose="020B0604020202020204" pitchFamily="34" charset="0"/>
+              <a:buChar char="•"/>
+            </a:pPr>
+            <a:r>
+              <a:rPr lang="it-IT" dirty="0">
+                <a:latin typeface="Century Gothic" panose="020B0502020202020204" pitchFamily="34" charset="0"/>
+              </a:rPr>
+              <a:t>Telemetry.LowSpeedShaftRpm</a:t>
+            </a:r>
+          </a:p>
+          <a:p>
+            <a:pPr marL="1543050" lvl="3" indent="-171450">
+              <a:buFont typeface="Arial" panose="020B0604020202020204" pitchFamily="34" charset="0"/>
+              <a:buChar char="•"/>
+            </a:pPr>
+            <a:r>
+              <a:rPr lang="it-IT" dirty="0">
+                <a:latin typeface="Century Gothic" panose="020B0502020202020204" pitchFamily="34" charset="0"/>
+              </a:rPr>
+              <a:t>Telemetry.GeneratorTemperatureCelsius</a:t>
+            </a:r>
+          </a:p>
+          <a:p>
+            <a:pPr marL="1085850" lvl="2" indent="-171450">
+              <a:buFont typeface="Arial" panose="020B0604020202020204" pitchFamily="34" charset="0"/>
+              <a:buChar char="•"/>
+            </a:pPr>
+            <a:r>
+              <a:rPr lang="it-IT" dirty="0">
+                <a:latin typeface="Century Gothic" panose="020B0502020202020204" pitchFamily="34" charset="0"/>
+              </a:rPr>
+              <a:t>Create a dashboard in Power BI desktop that displays telemetry as lines and gauges.</a:t>
+            </a:r>
+          </a:p>
+          <a:p>
+            <a:pPr marL="1543050" lvl="3" indent="-171450">
+              <a:buFont typeface="Arial" panose="020B0604020202020204" pitchFamily="34" charset="0"/>
+              <a:buChar char="•"/>
+            </a:pPr>
+            <a:r>
+              <a:rPr lang="it-IT" dirty="0">
+                <a:latin typeface="Century Gothic" panose="020B0502020202020204" pitchFamily="34" charset="0"/>
+              </a:rPr>
+              <a:t>Use gauges to show:</a:t>
+            </a:r>
+          </a:p>
+          <a:p>
+            <a:pPr marL="2000250" lvl="4" indent="-171450">
+              <a:buFont typeface="Arial" panose="020B0604020202020204" pitchFamily="34" charset="0"/>
+              <a:buChar char="•"/>
+            </a:pPr>
+            <a:r>
+              <a:rPr lang="it-IT" dirty="0">
+                <a:latin typeface="Century Gothic" panose="020B0502020202020204" pitchFamily="34" charset="0"/>
+              </a:rPr>
+              <a:t>Average Power</a:t>
+            </a:r>
+          </a:p>
+          <a:p>
+            <a:pPr marL="2000250" lvl="4" indent="-171450">
+              <a:buFont typeface="Arial" panose="020B0604020202020204" pitchFamily="34" charset="0"/>
+              <a:buChar char="•"/>
+            </a:pPr>
+            <a:r>
+              <a:rPr lang="it-IT" dirty="0">
+                <a:latin typeface="Century Gothic" panose="020B0502020202020204" pitchFamily="34" charset="0"/>
+              </a:rPr>
+              <a:t>Average WindSpeed</a:t>
+            </a:r>
+          </a:p>
+          <a:p>
+            <a:pPr marL="2000250" lvl="4" indent="-171450">
+              <a:buFont typeface="Arial" panose="020B0604020202020204" pitchFamily="34" charset="0"/>
+              <a:buChar char="•"/>
+            </a:pPr>
+            <a:r>
+              <a:rPr lang="it-IT" dirty="0">
+                <a:latin typeface="Century Gothic" panose="020B0502020202020204" pitchFamily="34" charset="0"/>
+              </a:rPr>
+              <a:t>Average LowPowerShaftRpm</a:t>
+            </a:r>
+          </a:p>
+          <a:p>
+            <a:pPr marL="2000250" lvl="4" indent="-171450">
+              <a:buFont typeface="Arial" panose="020B0604020202020204" pitchFamily="34" charset="0"/>
+              <a:buChar char="•"/>
+            </a:pPr>
+            <a:r>
+              <a:rPr lang="it-IT" dirty="0">
+                <a:latin typeface="Century Gothic" panose="020B0502020202020204" pitchFamily="34" charset="0"/>
+              </a:rPr>
+              <a:t>Average Power Ratio</a:t>
+            </a:r>
+          </a:p>
+          <a:p>
+            <a:pPr marL="1543050" lvl="3" indent="-171450">
+              <a:buFont typeface="Arial" panose="020B0604020202020204" pitchFamily="34" charset="0"/>
+              <a:buChar char="•"/>
+            </a:pPr>
+            <a:r>
+              <a:rPr lang="it-IT" dirty="0">
+                <a:latin typeface="Century Gothic" panose="020B0502020202020204" pitchFamily="34" charset="0"/>
+              </a:rPr>
+              <a:t>Use Line charts to show:</a:t>
+            </a:r>
+          </a:p>
+          <a:p>
+            <a:pPr marL="2000250" lvl="4" indent="-171450">
+              <a:buFont typeface="Arial" panose="020B0604020202020204" pitchFamily="34" charset="0"/>
+              <a:buChar char="•"/>
+            </a:pPr>
+            <a:r>
+              <a:rPr lang="it-IT" dirty="0">
+                <a:latin typeface="Century Gothic" panose="020B0502020202020204" pitchFamily="34" charset="0"/>
+              </a:rPr>
+              <a:t>Average Power by Turbine over Date/Time</a:t>
+            </a:r>
+          </a:p>
+          <a:p>
+            <a:pPr marL="2000250" lvl="4" indent="-171450">
+              <a:buFont typeface="Arial" panose="020B0604020202020204" pitchFamily="34" charset="0"/>
+              <a:buChar char="•"/>
+            </a:pPr>
+            <a:r>
+              <a:rPr lang="it-IT" dirty="0">
+                <a:latin typeface="Century Gothic" panose="020B0502020202020204" pitchFamily="34" charset="0"/>
+              </a:rPr>
+              <a:t>Average Power Ratio by Turbine over Date/Time</a:t>
             </a:r>
           </a:p>
           <a:p>
@@ -1117,9 +979,24 @@
               <a:buFont typeface="Arial" panose="020B0604020202020204" pitchFamily="34" charset="0"/>
               <a:buChar char="•"/>
             </a:pPr>
-            <a:endParaRPr lang="it-IT" sz="1200" b="0" dirty="0">
-              <a:latin typeface="Century Gothic" panose="020B0502020202020204" pitchFamily="34" charset="0"/>
-            </a:endParaRPr>
+            <a:r>
+              <a:rPr lang="it-IT" dirty="0">
+                <a:latin typeface="Century Gothic" panose="020B0502020202020204" pitchFamily="34" charset="0"/>
+              </a:rPr>
+              <a:t>Time Series Insights is an invaluable tool to make trend analysis and to gain quick and near real-time insights on telemetry data as they are ingested in Iot Hub and downstream stream analytics services. This service allows to instantly access billions of curated events from Azure IoT Hub, without any up-front data preparation. It allows to perform ad-hoc time-series data exploration and operation analysis, or build custom integrations with other data sources for a more complete view of our operations.</a:t>
+            </a:r>
+          </a:p>
+          <a:p>
+            <a:pPr marL="628650" lvl="1" indent="-171450">
+              <a:buFont typeface="Arial" panose="020B0604020202020204" pitchFamily="34" charset="0"/>
+              <a:buChar char="•"/>
+            </a:pPr>
+            <a:r>
+              <a:rPr lang="it-IT" dirty="0">
+                <a:latin typeface="Century Gothic" panose="020B0502020202020204" pitchFamily="34" charset="0"/>
+              </a:rPr>
+              <a:t>Power BI will give us great flexibility in terms of the rich set of visualizations available to build our dashboard.</a:t>
+            </a:r>
           </a:p>
         </p:txBody>
       </p:sp>
@@ -5305,7 +5182,15 @@
           <p:nvPr/>
         </p:nvPicPr>
         <p:blipFill>
-          <a:blip r:embed="rId13"/>
+          <a:blip r:embed="rId13">
+            <a:duotone>
+              <a:schemeClr val="bg2">
+                <a:shade val="45000"/>
+                <a:satMod val="135000"/>
+              </a:schemeClr>
+              <a:prstClr val="white"/>
+            </a:duotone>
+          </a:blip>
           <a:stretch>
             <a:fillRect/>
           </a:stretch>
@@ -5524,6 +5409,13 @@
                 </a:srgbClr>
               </a:clrTo>
             </a:clrChange>
+            <a:duotone>
+              <a:schemeClr val="bg2">
+                <a:shade val="45000"/>
+                <a:satMod val="135000"/>
+              </a:schemeClr>
+              <a:prstClr val="white"/>
+            </a:duotone>
           </a:blip>
           <a:stretch>
             <a:fillRect/>
@@ -5674,6 +5566,13 @@
                 </a:srgbClr>
               </a:clrTo>
             </a:clrChange>
+            <a:duotone>
+              <a:schemeClr val="bg2">
+                <a:shade val="45000"/>
+                <a:satMod val="135000"/>
+              </a:schemeClr>
+              <a:prstClr val="white"/>
+            </a:duotone>
           </a:blip>
           <a:stretch>
             <a:fillRect/>
@@ -5797,24 +5696,18 @@
             <a:prstGeom prst="rect">
               <a:avLst/>
             </a:prstGeom>
-            <a:solidFill>
-              <a:schemeClr val="accent4">
-                <a:lumMod val="40000"/>
-                <a:lumOff val="60000"/>
-              </a:schemeClr>
-            </a:solidFill>
           </p:spPr>
           <p:style>
             <a:lnRef idx="2">
-              <a:schemeClr val="accent1">
+              <a:schemeClr val="accent3">
                 <a:shade val="50000"/>
               </a:schemeClr>
             </a:lnRef>
             <a:fillRef idx="1">
-              <a:schemeClr val="accent1"/>
+              <a:schemeClr val="accent3"/>
             </a:fillRef>
             <a:effectRef idx="0">
-              <a:schemeClr val="accent1"/>
+              <a:schemeClr val="accent3"/>
             </a:effectRef>
             <a:fontRef idx="minor">
               <a:schemeClr val="lt1"/>
@@ -5854,10 +5747,23 @@
             <a:prstGeom prst="rect">
               <a:avLst/>
             </a:prstGeom>
-            <a:solidFill>
-              <a:srgbClr val="4472C4"/>
-            </a:solidFill>
           </p:spPr>
+          <p:style>
+            <a:lnRef idx="2">
+              <a:schemeClr val="accent3">
+                <a:shade val="50000"/>
+              </a:schemeClr>
+            </a:lnRef>
+            <a:fillRef idx="1">
+              <a:schemeClr val="accent3"/>
+            </a:fillRef>
+            <a:effectRef idx="0">
+              <a:schemeClr val="accent3"/>
+            </a:effectRef>
+            <a:fontRef idx="minor">
+              <a:schemeClr val="lt1"/>
+            </a:fontRef>
+          </p:style>
           <p:txBody>
             <a:bodyPr wrap="square" rtlCol="0">
               <a:spAutoFit/>
@@ -5895,10 +5801,23 @@
             <a:prstGeom prst="rect">
               <a:avLst/>
             </a:prstGeom>
-            <a:solidFill>
-              <a:srgbClr val="4472C4"/>
-            </a:solidFill>
           </p:spPr>
+          <p:style>
+            <a:lnRef idx="2">
+              <a:schemeClr val="accent3">
+                <a:shade val="50000"/>
+              </a:schemeClr>
+            </a:lnRef>
+            <a:fillRef idx="1">
+              <a:schemeClr val="accent3"/>
+            </a:fillRef>
+            <a:effectRef idx="0">
+              <a:schemeClr val="accent3"/>
+            </a:effectRef>
+            <a:fontRef idx="minor">
+              <a:schemeClr val="lt1"/>
+            </a:fontRef>
+          </p:style>
           <p:txBody>
             <a:bodyPr wrap="square" rtlCol="0">
               <a:spAutoFit/>
@@ -5936,8 +5855,23 @@
             <a:prstGeom prst="rect">
               <a:avLst/>
             </a:prstGeom>
-            <a:noFill/>
           </p:spPr>
+          <p:style>
+            <a:lnRef idx="2">
+              <a:schemeClr val="accent3">
+                <a:shade val="50000"/>
+              </a:schemeClr>
+            </a:lnRef>
+            <a:fillRef idx="1">
+              <a:schemeClr val="accent3"/>
+            </a:fillRef>
+            <a:effectRef idx="0">
+              <a:schemeClr val="accent3"/>
+            </a:effectRef>
+            <a:fontRef idx="minor">
+              <a:schemeClr val="lt1"/>
+            </a:fontRef>
+          </p:style>
           <p:txBody>
             <a:bodyPr wrap="square" rtlCol="0">
               <a:spAutoFit/>
@@ -6178,15 +6112,15 @@
         </p:spPr>
         <p:style>
           <a:lnRef idx="2">
-            <a:schemeClr val="accent1">
+            <a:schemeClr val="accent3">
               <a:shade val="50000"/>
             </a:schemeClr>
           </a:lnRef>
           <a:fillRef idx="1">
-            <a:schemeClr val="accent1"/>
+            <a:schemeClr val="accent3"/>
           </a:fillRef>
           <a:effectRef idx="0">
-            <a:schemeClr val="accent1"/>
+            <a:schemeClr val="accent3"/>
           </a:effectRef>
           <a:fontRef idx="minor">
             <a:schemeClr val="lt1"/>

--- a/Lab2/WeatherStationArchitecture-7D343425.pptx
+++ b/Lab2/WeatherStationArchitecture-7D343425.pptx
@@ -197,7 +197,7 @@
           <a:p>
             <a:fld id="{C99A2DDC-F361-46C0-9E5F-6BF7F6F88E24}" type="datetimeFigureOut">
               <a:rPr lang="it-IT" smtClean="0"/>
-              <a:t>10/11/2019</a:t>
+              <a:t>11/11/2019</a:t>
             </a:fld>
             <a:endParaRPr lang="it-IT"/>
           </a:p>
@@ -995,7 +995,19 @@
               <a:rPr lang="it-IT" dirty="0">
                 <a:latin typeface="Century Gothic" panose="020B0502020202020204" pitchFamily="34" charset="0"/>
               </a:rPr>
-              <a:t>Power BI will give us great flexibility in terms of the rich set of visualizations available to build our dashboard.</a:t>
+              <a:t>Power BI Desktop is used for its great flexibility in terms of the rich set of visualizations available to build our dashboard and of its powerful </a:t>
+            </a:r>
+            <a:r>
+              <a:rPr lang="it-IT">
+                <a:latin typeface="Century Gothic" panose="020B0502020202020204" pitchFamily="34" charset="0"/>
+              </a:rPr>
+              <a:t>query engine </a:t>
+            </a:r>
+            <a:r>
+              <a:rPr lang="it-IT" dirty="0">
+                <a:latin typeface="Century Gothic" panose="020B0502020202020204" pitchFamily="34" charset="0"/>
+              </a:rPr>
+              <a:t>(progarmmed in M) and analytical engine (programmed in DAX).</a:t>
             </a:r>
           </a:p>
         </p:txBody>
@@ -1185,7 +1197,7 @@
           <a:p>
             <a:fld id="{63615552-887B-45F6-B150-B606B592F51E}" type="datetimeFigureOut">
               <a:rPr lang="it-IT" smtClean="0"/>
-              <a:t>10/11/2019</a:t>
+              <a:t>11/11/2019</a:t>
             </a:fld>
             <a:endParaRPr lang="it-IT"/>
           </a:p>
@@ -1385,7 +1397,7 @@
           <a:p>
             <a:fld id="{63615552-887B-45F6-B150-B606B592F51E}" type="datetimeFigureOut">
               <a:rPr lang="it-IT" smtClean="0"/>
-              <a:t>10/11/2019</a:t>
+              <a:t>11/11/2019</a:t>
             </a:fld>
             <a:endParaRPr lang="it-IT"/>
           </a:p>
@@ -1595,7 +1607,7 @@
           <a:p>
             <a:fld id="{63615552-887B-45F6-B150-B606B592F51E}" type="datetimeFigureOut">
               <a:rPr lang="it-IT" smtClean="0"/>
-              <a:t>10/11/2019</a:t>
+              <a:t>11/11/2019</a:t>
             </a:fld>
             <a:endParaRPr lang="it-IT"/>
           </a:p>
@@ -1795,7 +1807,7 @@
           <a:p>
             <a:fld id="{63615552-887B-45F6-B150-B606B592F51E}" type="datetimeFigureOut">
               <a:rPr lang="it-IT" smtClean="0"/>
-              <a:t>10/11/2019</a:t>
+              <a:t>11/11/2019</a:t>
             </a:fld>
             <a:endParaRPr lang="it-IT"/>
           </a:p>
@@ -2071,7 +2083,7 @@
           <a:p>
             <a:fld id="{63615552-887B-45F6-B150-B606B592F51E}" type="datetimeFigureOut">
               <a:rPr lang="it-IT" smtClean="0"/>
-              <a:t>10/11/2019</a:t>
+              <a:t>11/11/2019</a:t>
             </a:fld>
             <a:endParaRPr lang="it-IT"/>
           </a:p>
@@ -2339,7 +2351,7 @@
           <a:p>
             <a:fld id="{63615552-887B-45F6-B150-B606B592F51E}" type="datetimeFigureOut">
               <a:rPr lang="it-IT" smtClean="0"/>
-              <a:t>10/11/2019</a:t>
+              <a:t>11/11/2019</a:t>
             </a:fld>
             <a:endParaRPr lang="it-IT"/>
           </a:p>
@@ -2754,7 +2766,7 @@
           <a:p>
             <a:fld id="{63615552-887B-45F6-B150-B606B592F51E}" type="datetimeFigureOut">
               <a:rPr lang="it-IT" smtClean="0"/>
-              <a:t>10/11/2019</a:t>
+              <a:t>11/11/2019</a:t>
             </a:fld>
             <a:endParaRPr lang="it-IT"/>
           </a:p>
@@ -2896,7 +2908,7 @@
           <a:p>
             <a:fld id="{63615552-887B-45F6-B150-B606B592F51E}" type="datetimeFigureOut">
               <a:rPr lang="it-IT" smtClean="0"/>
-              <a:t>10/11/2019</a:t>
+              <a:t>11/11/2019</a:t>
             </a:fld>
             <a:endParaRPr lang="it-IT"/>
           </a:p>
@@ -3009,7 +3021,7 @@
           <a:p>
             <a:fld id="{63615552-887B-45F6-B150-B606B592F51E}" type="datetimeFigureOut">
               <a:rPr lang="it-IT" smtClean="0"/>
-              <a:t>10/11/2019</a:t>
+              <a:t>11/11/2019</a:t>
             </a:fld>
             <a:endParaRPr lang="it-IT"/>
           </a:p>
@@ -3322,7 +3334,7 @@
           <a:p>
             <a:fld id="{63615552-887B-45F6-B150-B606B592F51E}" type="datetimeFigureOut">
               <a:rPr lang="it-IT" smtClean="0"/>
-              <a:t>10/11/2019</a:t>
+              <a:t>11/11/2019</a:t>
             </a:fld>
             <a:endParaRPr lang="it-IT"/>
           </a:p>
@@ -3611,7 +3623,7 @@
           <a:p>
             <a:fld id="{63615552-887B-45F6-B150-B606B592F51E}" type="datetimeFigureOut">
               <a:rPr lang="it-IT" smtClean="0"/>
-              <a:t>10/11/2019</a:t>
+              <a:t>11/11/2019</a:t>
             </a:fld>
             <a:endParaRPr lang="it-IT"/>
           </a:p>
@@ -3854,7 +3866,7 @@
           <a:p>
             <a:fld id="{63615552-887B-45F6-B150-B606B592F51E}" type="datetimeFigureOut">
               <a:rPr lang="it-IT" smtClean="0"/>
-              <a:t>10/11/2019</a:t>
+              <a:t>11/11/2019</a:t>
             </a:fld>
             <a:endParaRPr lang="it-IT"/>
           </a:p>
